--- a/Materiale/Presentazioni/PPOINT/Presentazione2.pptx
+++ b/Materiale/Presentazioni/PPOINT/Presentazione2.pptx
@@ -356,7 +356,7 @@
           <a:p>
             <a:fld id="{ED291B17-9318-49DB-B28B-6E5994AE9581}" type="datetime1">
               <a:rPr lang="en-US" smtClean="0"/>
-              <a:t>5/29/2021</a:t>
+              <a:t>6/3/2021</a:t>
             </a:fld>
             <a:endParaRPr lang="en-US" dirty="0"/>
           </a:p>
@@ -559,7 +559,7 @@
           <a:p>
             <a:fld id="{2CED4963-E985-44C4-B8C4-FDD613B7C2F8}" type="datetime1">
               <a:rPr lang="en-US" smtClean="0"/>
-              <a:t>5/29/2021</a:t>
+              <a:t>6/3/2021</a:t>
             </a:fld>
             <a:endParaRPr lang="en-US" dirty="0"/>
           </a:p>
@@ -921,7 +921,7 @@
           <a:p>
             <a:fld id="{ED291B17-9318-49DB-B28B-6E5994AE9581}" type="datetime1">
               <a:rPr lang="en-US" smtClean="0"/>
-              <a:t>5/29/2021</a:t>
+              <a:t>6/3/2021</a:t>
             </a:fld>
             <a:endParaRPr lang="en-US" dirty="0"/>
           </a:p>
@@ -1119,7 +1119,7 @@
           <a:p>
             <a:fld id="{78DD82B9-B8EE-4375-B6FF-88FA6ABB15D9}" type="datetime1">
               <a:rPr lang="en-US" smtClean="0"/>
-              <a:t>5/29/2021</a:t>
+              <a:t>6/3/2021</a:t>
             </a:fld>
             <a:endParaRPr lang="en-US" dirty="0"/>
           </a:p>
@@ -1431,7 +1431,7 @@
           <a:p>
             <a:fld id="{B2497495-0637-405E-AE64-5CC7506D51F5}" type="datetime1">
               <a:rPr lang="en-US" smtClean="0"/>
-              <a:t>5/29/2021</a:t>
+              <a:t>6/3/2021</a:t>
             </a:fld>
             <a:endParaRPr lang="en-US" dirty="0"/>
           </a:p>
@@ -1684,7 +1684,7 @@
           <a:p>
             <a:fld id="{7BFFD690-9426-415D-8B65-26881E07B2D4}" type="datetime1">
               <a:rPr lang="en-US" smtClean="0"/>
-              <a:t>5/29/2021</a:t>
+              <a:t>6/3/2021</a:t>
             </a:fld>
             <a:endParaRPr lang="en-US" dirty="0"/>
           </a:p>
@@ -2106,7 +2106,7 @@
           <a:p>
             <a:fld id="{04C4989A-474C-40DE-95B9-011C28B71673}" type="datetime1">
               <a:rPr lang="en-US" smtClean="0"/>
-              <a:t>5/29/2021</a:t>
+              <a:t>6/3/2021</a:t>
             </a:fld>
             <a:endParaRPr lang="en-US" dirty="0"/>
           </a:p>
@@ -2229,7 +2229,7 @@
           <a:p>
             <a:fld id="{5DB4ED54-5B5E-4A04-93D3-5772E3CE3818}" type="datetime1">
               <a:rPr lang="en-US" smtClean="0"/>
-              <a:t>5/29/2021</a:t>
+              <a:t>6/3/2021</a:t>
             </a:fld>
             <a:endParaRPr lang="en-US" dirty="0"/>
           </a:p>
@@ -2324,7 +2324,7 @@
           <a:p>
             <a:fld id="{4EDE50D6-574B-40AF-946F-D52A04ADE379}" type="datetime1">
               <a:rPr lang="en-US" smtClean="0"/>
-              <a:t>5/29/2021</a:t>
+              <a:t>6/3/2021</a:t>
             </a:fld>
             <a:endParaRPr lang="en-US" dirty="0"/>
           </a:p>
@@ -2701,7 +2701,7 @@
           <a:p>
             <a:fld id="{D82884F1-FFEA-405F-9602-3DCA865EDA4E}" type="datetime1">
               <a:rPr lang="en-US" smtClean="0"/>
-              <a:t>5/29/2021</a:t>
+              <a:t>6/3/2021</a:t>
             </a:fld>
             <a:endParaRPr lang="en-US" dirty="0"/>
           </a:p>
@@ -2994,7 +2994,7 @@
           <a:p>
             <a:fld id="{7E18DB4A-8810-4A10-AD5C-D5E2C667F5B3}" type="datetime1">
               <a:rPr lang="en-US" smtClean="0"/>
-              <a:t>5/29/2021</a:t>
+              <a:t>6/3/2021</a:t>
             </a:fld>
             <a:endParaRPr lang="en-US" dirty="0"/>
           </a:p>
@@ -3209,7 +3209,7 @@
           <a:p>
             <a:fld id="{ED291B17-9318-49DB-B28B-6E5994AE9581}" type="datetime1">
               <a:rPr lang="en-US" smtClean="0"/>
-              <a:t>5/29/2021</a:t>
+              <a:t>6/3/2021</a:t>
             </a:fld>
             <a:endParaRPr lang="en-US" dirty="0"/>
           </a:p>

--- a/Materiale/Presentazioni/PPOINT/Presentazione2.pptx
+++ b/Materiale/Presentazioni/PPOINT/Presentazione2.pptx
@@ -9,7 +9,7 @@
     <p:sldId id="262" r:id="rId3"/>
     <p:sldId id="259" r:id="rId4"/>
     <p:sldId id="260" r:id="rId5"/>
-    <p:sldId id="264" r:id="rId6"/>
+    <p:sldId id="266" r:id="rId6"/>
     <p:sldId id="263" r:id="rId7"/>
     <p:sldId id="265" r:id="rId8"/>
   </p:sldIdLst>
@@ -356,7 +356,7 @@
           <a:p>
             <a:fld id="{ED291B17-9318-49DB-B28B-6E5994AE9581}" type="datetime1">
               <a:rPr lang="en-US" smtClean="0"/>
-              <a:t>6/3/2021</a:t>
+              <a:t>6/5/2021</a:t>
             </a:fld>
             <a:endParaRPr lang="en-US" dirty="0"/>
           </a:p>
@@ -559,7 +559,7 @@
           <a:p>
             <a:fld id="{2CED4963-E985-44C4-B8C4-FDD613B7C2F8}" type="datetime1">
               <a:rPr lang="en-US" smtClean="0"/>
-              <a:t>6/3/2021</a:t>
+              <a:t>6/5/2021</a:t>
             </a:fld>
             <a:endParaRPr lang="en-US" dirty="0"/>
           </a:p>
@@ -921,7 +921,7 @@
           <a:p>
             <a:fld id="{ED291B17-9318-49DB-B28B-6E5994AE9581}" type="datetime1">
               <a:rPr lang="en-US" smtClean="0"/>
-              <a:t>6/3/2021</a:t>
+              <a:t>6/5/2021</a:t>
             </a:fld>
             <a:endParaRPr lang="en-US" dirty="0"/>
           </a:p>
@@ -1119,7 +1119,7 @@
           <a:p>
             <a:fld id="{78DD82B9-B8EE-4375-B6FF-88FA6ABB15D9}" type="datetime1">
               <a:rPr lang="en-US" smtClean="0"/>
-              <a:t>6/3/2021</a:t>
+              <a:t>6/5/2021</a:t>
             </a:fld>
             <a:endParaRPr lang="en-US" dirty="0"/>
           </a:p>
@@ -1431,7 +1431,7 @@
           <a:p>
             <a:fld id="{B2497495-0637-405E-AE64-5CC7506D51F5}" type="datetime1">
               <a:rPr lang="en-US" smtClean="0"/>
-              <a:t>6/3/2021</a:t>
+              <a:t>6/5/2021</a:t>
             </a:fld>
             <a:endParaRPr lang="en-US" dirty="0"/>
           </a:p>
@@ -1684,7 +1684,7 @@
           <a:p>
             <a:fld id="{7BFFD690-9426-415D-8B65-26881E07B2D4}" type="datetime1">
               <a:rPr lang="en-US" smtClean="0"/>
-              <a:t>6/3/2021</a:t>
+              <a:t>6/5/2021</a:t>
             </a:fld>
             <a:endParaRPr lang="en-US" dirty="0"/>
           </a:p>
@@ -2106,7 +2106,7 @@
           <a:p>
             <a:fld id="{04C4989A-474C-40DE-95B9-011C28B71673}" type="datetime1">
               <a:rPr lang="en-US" smtClean="0"/>
-              <a:t>6/3/2021</a:t>
+              <a:t>6/5/2021</a:t>
             </a:fld>
             <a:endParaRPr lang="en-US" dirty="0"/>
           </a:p>
@@ -2229,7 +2229,7 @@
           <a:p>
             <a:fld id="{5DB4ED54-5B5E-4A04-93D3-5772E3CE3818}" type="datetime1">
               <a:rPr lang="en-US" smtClean="0"/>
-              <a:t>6/3/2021</a:t>
+              <a:t>6/5/2021</a:t>
             </a:fld>
             <a:endParaRPr lang="en-US" dirty="0"/>
           </a:p>
@@ -2324,7 +2324,7 @@
           <a:p>
             <a:fld id="{4EDE50D6-574B-40AF-946F-D52A04ADE379}" type="datetime1">
               <a:rPr lang="en-US" smtClean="0"/>
-              <a:t>6/3/2021</a:t>
+              <a:t>6/5/2021</a:t>
             </a:fld>
             <a:endParaRPr lang="en-US" dirty="0"/>
           </a:p>
@@ -2701,7 +2701,7 @@
           <a:p>
             <a:fld id="{D82884F1-FFEA-405F-9602-3DCA865EDA4E}" type="datetime1">
               <a:rPr lang="en-US" smtClean="0"/>
-              <a:t>6/3/2021</a:t>
+              <a:t>6/5/2021</a:t>
             </a:fld>
             <a:endParaRPr lang="en-US" dirty="0"/>
           </a:p>
@@ -2994,7 +2994,7 @@
           <a:p>
             <a:fld id="{7E18DB4A-8810-4A10-AD5C-D5E2C667F5B3}" type="datetime1">
               <a:rPr lang="en-US" smtClean="0"/>
-              <a:t>6/3/2021</a:t>
+              <a:t>6/5/2021</a:t>
             </a:fld>
             <a:endParaRPr lang="en-US" dirty="0"/>
           </a:p>
@@ -3209,7 +3209,7 @@
           <a:p>
             <a:fld id="{ED291B17-9318-49DB-B28B-6E5994AE9581}" type="datetime1">
               <a:rPr lang="en-US" smtClean="0"/>
-              <a:t>6/3/2021</a:t>
+              <a:t>6/5/2021</a:t>
             </a:fld>
             <a:endParaRPr lang="en-US" dirty="0"/>
           </a:p>
@@ -4555,9 +4555,10 @@
           <a:lstStyle/>
           <a:p>
             <a:r>
-              <a:rPr lang="it-IT" sz="3200" dirty="0"/>
+              <a:rPr lang="it-IT" sz="3200"/>
               <a:t>DATI(2)</a:t>
             </a:r>
+            <a:endParaRPr lang="it-IT" sz="3200" dirty="0"/>
           </a:p>
         </p:txBody>
       </p:sp>
@@ -4697,7 +4698,12 @@
             <p:ph type="title"/>
           </p:nvPr>
         </p:nvSpPr>
-        <p:spPr/>
+        <p:spPr>
+          <a:xfrm>
+            <a:off x="433786" y="467464"/>
+            <a:ext cx="4336359" cy="1188720"/>
+          </a:xfrm>
+        </p:spPr>
         <p:txBody>
           <a:bodyPr>
             <a:normAutofit/>
@@ -4708,1592 +4714,6 @@
               <a:rPr lang="it-IT" sz="3200" dirty="0"/>
               <a:t>SCHEMA FINALE</a:t>
             </a:r>
-          </a:p>
-        </p:txBody>
-      </p:sp>
-      <p:sp>
-        <p:nvSpPr>
-          <p:cNvPr id="4" name="Segnaposto contenuto 3">
-            <a:extLst>
-              <a:ext uri="{FF2B5EF4-FFF2-40B4-BE49-F238E27FC236}">
-                <a16:creationId xmlns:a16="http://schemas.microsoft.com/office/drawing/2014/main" id="{3583162B-852B-43DB-B2BB-91C02F660372}"/>
-              </a:ext>
-            </a:extLst>
-          </p:cNvPr>
-          <p:cNvSpPr>
-            <a:spLocks noGrp="1"/>
-          </p:cNvSpPr>
-          <p:nvPr>
-            <p:ph idx="1"/>
-          </p:nvPr>
-        </p:nvSpPr>
-        <p:spPr>
-          <a:xfrm>
-            <a:off x="581192" y="1790208"/>
-            <a:ext cx="4796151" cy="4706223"/>
-          </a:xfrm>
-        </p:spPr>
-        <p:txBody>
-          <a:bodyPr>
-            <a:normAutofit/>
-          </a:bodyPr>
-          <a:lstStyle/>
-          <a:p>
-            <a:r>
-              <a:rPr lang="it-IT" b="0" i="0" dirty="0" err="1">
-                <a:solidFill>
-                  <a:schemeClr val="tx1"/>
-                </a:solidFill>
-                <a:effectLst/>
-                <a:latin typeface="Franklin Gothic Book (Corpo)"/>
-              </a:rPr>
-              <a:t>n_views</a:t>
-            </a:r>
-            <a:r>
-              <a:rPr lang="it-IT" b="0" i="0" dirty="0">
-                <a:solidFill>
-                  <a:schemeClr val="tx1"/>
-                </a:solidFill>
-                <a:effectLst/>
-                <a:latin typeface="Franklin Gothic Book (Corpo)"/>
-              </a:rPr>
-              <a:t>: double (</a:t>
-            </a:r>
-            <a:r>
-              <a:rPr lang="it-IT" b="0" i="0" dirty="0" err="1">
-                <a:solidFill>
-                  <a:schemeClr val="tx1"/>
-                </a:solidFill>
-                <a:effectLst/>
-                <a:latin typeface="Franklin Gothic Book (Corpo)"/>
-              </a:rPr>
-              <a:t>nullable</a:t>
-            </a:r>
-            <a:r>
-              <a:rPr lang="it-IT" b="0" i="0" dirty="0">
-                <a:solidFill>
-                  <a:schemeClr val="tx1"/>
-                </a:solidFill>
-                <a:effectLst/>
-                <a:latin typeface="Franklin Gothic Book (Corpo)"/>
-              </a:rPr>
-              <a:t> = </a:t>
-            </a:r>
-            <a:r>
-              <a:rPr lang="it-IT" b="0" i="0" dirty="0" err="1">
-                <a:solidFill>
-                  <a:schemeClr val="tx1"/>
-                </a:solidFill>
-                <a:effectLst/>
-                <a:latin typeface="Franklin Gothic Book (Corpo)"/>
-              </a:rPr>
-              <a:t>true</a:t>
-            </a:r>
-            <a:r>
-              <a:rPr lang="it-IT" b="0" i="0" dirty="0">
-                <a:solidFill>
-                  <a:schemeClr val="tx1"/>
-                </a:solidFill>
-                <a:effectLst/>
-                <a:latin typeface="Franklin Gothic Book (Corpo)"/>
-              </a:rPr>
-              <a:t>) </a:t>
-            </a:r>
-          </a:p>
-          <a:p>
-            <a:r>
-              <a:rPr lang="it-IT" b="0" i="0" dirty="0" err="1">
-                <a:solidFill>
-                  <a:schemeClr val="tx1"/>
-                </a:solidFill>
-                <a:effectLst/>
-                <a:latin typeface="Franklin Gothic Book (Corpo)"/>
-              </a:rPr>
-              <a:t>durate_sec</a:t>
-            </a:r>
-            <a:r>
-              <a:rPr lang="it-IT" b="0" i="0" dirty="0">
-                <a:solidFill>
-                  <a:schemeClr val="tx1"/>
-                </a:solidFill>
-                <a:effectLst/>
-                <a:latin typeface="Franklin Gothic Book (Corpo)"/>
-              </a:rPr>
-              <a:t>: double (</a:t>
-            </a:r>
-            <a:r>
-              <a:rPr lang="it-IT" b="0" i="0" dirty="0" err="1">
-                <a:solidFill>
-                  <a:schemeClr val="tx1"/>
-                </a:solidFill>
-                <a:effectLst/>
-                <a:latin typeface="Franklin Gothic Book (Corpo)"/>
-              </a:rPr>
-              <a:t>nullable</a:t>
-            </a:r>
-            <a:r>
-              <a:rPr lang="it-IT" b="0" i="0" dirty="0">
-                <a:solidFill>
-                  <a:schemeClr val="tx1"/>
-                </a:solidFill>
-                <a:effectLst/>
-                <a:latin typeface="Franklin Gothic Book (Corpo)"/>
-              </a:rPr>
-              <a:t> = </a:t>
-            </a:r>
-            <a:r>
-              <a:rPr lang="it-IT" b="0" i="0" dirty="0" err="1">
-                <a:solidFill>
-                  <a:schemeClr val="tx1"/>
-                </a:solidFill>
-                <a:effectLst/>
-                <a:latin typeface="Franklin Gothic Book (Corpo)"/>
-              </a:rPr>
-              <a:t>true</a:t>
-            </a:r>
-            <a:r>
-              <a:rPr lang="it-IT" b="0" i="0" dirty="0">
-                <a:solidFill>
-                  <a:schemeClr val="tx1"/>
-                </a:solidFill>
-                <a:effectLst/>
-                <a:latin typeface="Franklin Gothic Book (Corpo)"/>
-              </a:rPr>
-              <a:t>) </a:t>
-            </a:r>
-          </a:p>
-          <a:p>
-            <a:r>
-              <a:rPr lang="it-IT" b="0" i="0" dirty="0">
-                <a:solidFill>
-                  <a:schemeClr val="tx1"/>
-                </a:solidFill>
-                <a:effectLst/>
-                <a:latin typeface="Franklin Gothic Book (Corpo)"/>
-              </a:rPr>
-              <a:t>_id: </a:t>
-            </a:r>
-            <a:r>
-              <a:rPr lang="it-IT" b="0" i="0" dirty="0" err="1">
-                <a:solidFill>
-                  <a:schemeClr val="tx1"/>
-                </a:solidFill>
-                <a:effectLst/>
-                <a:latin typeface="Franklin Gothic Book (Corpo)"/>
-              </a:rPr>
-              <a:t>string</a:t>
-            </a:r>
-            <a:r>
-              <a:rPr lang="it-IT" b="0" i="0" dirty="0">
-                <a:solidFill>
-                  <a:schemeClr val="tx1"/>
-                </a:solidFill>
-                <a:effectLst/>
-                <a:latin typeface="Franklin Gothic Book (Corpo)"/>
-              </a:rPr>
-              <a:t> (</a:t>
-            </a:r>
-            <a:r>
-              <a:rPr lang="it-IT" b="0" i="0" dirty="0" err="1">
-                <a:solidFill>
-                  <a:schemeClr val="tx1"/>
-                </a:solidFill>
-                <a:effectLst/>
-                <a:latin typeface="Franklin Gothic Book (Corpo)"/>
-              </a:rPr>
-              <a:t>nullable</a:t>
-            </a:r>
-            <a:r>
-              <a:rPr lang="it-IT" b="0" i="0" dirty="0">
-                <a:solidFill>
-                  <a:schemeClr val="tx1"/>
-                </a:solidFill>
-                <a:effectLst/>
-                <a:latin typeface="Franklin Gothic Book (Corpo)"/>
-              </a:rPr>
-              <a:t> = </a:t>
-            </a:r>
-            <a:r>
-              <a:rPr lang="it-IT" b="0" i="0" dirty="0" err="1">
-                <a:solidFill>
-                  <a:schemeClr val="tx1"/>
-                </a:solidFill>
-                <a:effectLst/>
-                <a:latin typeface="Franklin Gothic Book (Corpo)"/>
-              </a:rPr>
-              <a:t>true</a:t>
-            </a:r>
-            <a:r>
-              <a:rPr lang="it-IT" b="0" i="0" dirty="0">
-                <a:solidFill>
-                  <a:schemeClr val="tx1"/>
-                </a:solidFill>
-                <a:effectLst/>
-                <a:latin typeface="Franklin Gothic Book (Corpo)"/>
-              </a:rPr>
-              <a:t>)</a:t>
-            </a:r>
-          </a:p>
-          <a:p>
-            <a:r>
-              <a:rPr lang="it-IT" b="0" i="0" dirty="0" err="1">
-                <a:solidFill>
-                  <a:schemeClr val="tx1"/>
-                </a:solidFill>
-                <a:effectLst/>
-                <a:latin typeface="Franklin Gothic Book (Corpo)"/>
-              </a:rPr>
-              <a:t>main_speaker</a:t>
-            </a:r>
-            <a:r>
-              <a:rPr lang="it-IT" b="0" i="0" dirty="0">
-                <a:solidFill>
-                  <a:schemeClr val="tx1"/>
-                </a:solidFill>
-                <a:effectLst/>
-                <a:latin typeface="Franklin Gothic Book (Corpo)"/>
-              </a:rPr>
-              <a:t>: </a:t>
-            </a:r>
-            <a:r>
-              <a:rPr lang="it-IT" b="0" i="0" dirty="0" err="1">
-                <a:solidFill>
-                  <a:schemeClr val="tx1"/>
-                </a:solidFill>
-                <a:effectLst/>
-                <a:latin typeface="Franklin Gothic Book (Corpo)"/>
-              </a:rPr>
-              <a:t>string</a:t>
-            </a:r>
-            <a:r>
-              <a:rPr lang="it-IT" b="0" i="0" dirty="0">
-                <a:solidFill>
-                  <a:schemeClr val="tx1"/>
-                </a:solidFill>
-                <a:effectLst/>
-                <a:latin typeface="Franklin Gothic Book (Corpo)"/>
-              </a:rPr>
-              <a:t> (</a:t>
-            </a:r>
-            <a:r>
-              <a:rPr lang="it-IT" b="0" i="0" dirty="0" err="1">
-                <a:solidFill>
-                  <a:schemeClr val="tx1"/>
-                </a:solidFill>
-                <a:effectLst/>
-                <a:latin typeface="Franklin Gothic Book (Corpo)"/>
-              </a:rPr>
-              <a:t>nullable</a:t>
-            </a:r>
-            <a:r>
-              <a:rPr lang="it-IT" b="0" i="0" dirty="0">
-                <a:solidFill>
-                  <a:schemeClr val="tx1"/>
-                </a:solidFill>
-                <a:effectLst/>
-                <a:latin typeface="Franklin Gothic Book (Corpo)"/>
-              </a:rPr>
-              <a:t> = </a:t>
-            </a:r>
-            <a:r>
-              <a:rPr lang="it-IT" b="0" i="0" dirty="0" err="1">
-                <a:solidFill>
-                  <a:schemeClr val="tx1"/>
-                </a:solidFill>
-                <a:effectLst/>
-                <a:latin typeface="Franklin Gothic Book (Corpo)"/>
-              </a:rPr>
-              <a:t>true</a:t>
-            </a:r>
-            <a:r>
-              <a:rPr lang="it-IT" b="0" i="0" dirty="0">
-                <a:solidFill>
-                  <a:schemeClr val="tx1"/>
-                </a:solidFill>
-                <a:effectLst/>
-                <a:latin typeface="Franklin Gothic Book (Corpo)"/>
-              </a:rPr>
-              <a:t>) </a:t>
-            </a:r>
-          </a:p>
-          <a:p>
-            <a:r>
-              <a:rPr lang="it-IT" b="0" i="0" dirty="0" err="1">
-                <a:solidFill>
-                  <a:schemeClr val="tx1"/>
-                </a:solidFill>
-                <a:effectLst/>
-                <a:latin typeface="Franklin Gothic Book (Corpo)"/>
-              </a:rPr>
-              <a:t>title</a:t>
-            </a:r>
-            <a:r>
-              <a:rPr lang="it-IT" b="0" i="0" dirty="0">
-                <a:solidFill>
-                  <a:schemeClr val="tx1"/>
-                </a:solidFill>
-                <a:effectLst/>
-                <a:latin typeface="Franklin Gothic Book (Corpo)"/>
-              </a:rPr>
-              <a:t>: </a:t>
-            </a:r>
-            <a:r>
-              <a:rPr lang="it-IT" b="0" i="0" dirty="0" err="1">
-                <a:solidFill>
-                  <a:schemeClr val="tx1"/>
-                </a:solidFill>
-                <a:effectLst/>
-                <a:latin typeface="Franklin Gothic Book (Corpo)"/>
-              </a:rPr>
-              <a:t>string</a:t>
-            </a:r>
-            <a:r>
-              <a:rPr lang="it-IT" b="0" i="0" dirty="0">
-                <a:solidFill>
-                  <a:schemeClr val="tx1"/>
-                </a:solidFill>
-                <a:effectLst/>
-                <a:latin typeface="Franklin Gothic Book (Corpo)"/>
-              </a:rPr>
-              <a:t> (</a:t>
-            </a:r>
-            <a:r>
-              <a:rPr lang="it-IT" b="0" i="0" dirty="0" err="1">
-                <a:solidFill>
-                  <a:schemeClr val="tx1"/>
-                </a:solidFill>
-                <a:effectLst/>
-                <a:latin typeface="Franklin Gothic Book (Corpo)"/>
-              </a:rPr>
-              <a:t>nullable</a:t>
-            </a:r>
-            <a:r>
-              <a:rPr lang="it-IT" b="0" i="0" dirty="0">
-                <a:solidFill>
-                  <a:schemeClr val="tx1"/>
-                </a:solidFill>
-                <a:effectLst/>
-                <a:latin typeface="Franklin Gothic Book (Corpo)"/>
-              </a:rPr>
-              <a:t> = </a:t>
-            </a:r>
-            <a:r>
-              <a:rPr lang="it-IT" b="0" i="0" dirty="0" err="1">
-                <a:solidFill>
-                  <a:schemeClr val="tx1"/>
-                </a:solidFill>
-                <a:effectLst/>
-                <a:latin typeface="Franklin Gothic Book (Corpo)"/>
-              </a:rPr>
-              <a:t>true</a:t>
-            </a:r>
-            <a:r>
-              <a:rPr lang="it-IT" b="0" i="0" dirty="0">
-                <a:solidFill>
-                  <a:schemeClr val="tx1"/>
-                </a:solidFill>
-                <a:effectLst/>
-                <a:latin typeface="Franklin Gothic Book (Corpo)"/>
-              </a:rPr>
-              <a:t>) </a:t>
-            </a:r>
-          </a:p>
-          <a:p>
-            <a:r>
-              <a:rPr lang="it-IT" b="0" i="0" dirty="0" err="1">
-                <a:solidFill>
-                  <a:schemeClr val="tx1"/>
-                </a:solidFill>
-                <a:effectLst/>
-                <a:latin typeface="Franklin Gothic Book (Corpo)"/>
-              </a:rPr>
-              <a:t>details</a:t>
-            </a:r>
-            <a:r>
-              <a:rPr lang="it-IT" b="0" i="0" dirty="0">
-                <a:solidFill>
-                  <a:schemeClr val="tx1"/>
-                </a:solidFill>
-                <a:effectLst/>
-                <a:latin typeface="Franklin Gothic Book (Corpo)"/>
-              </a:rPr>
-              <a:t>: </a:t>
-            </a:r>
-            <a:r>
-              <a:rPr lang="it-IT" b="0" i="0" dirty="0" err="1">
-                <a:solidFill>
-                  <a:schemeClr val="tx1"/>
-                </a:solidFill>
-                <a:effectLst/>
-                <a:latin typeface="Franklin Gothic Book (Corpo)"/>
-              </a:rPr>
-              <a:t>string</a:t>
-            </a:r>
-            <a:r>
-              <a:rPr lang="it-IT" b="0" i="0" dirty="0">
-                <a:solidFill>
-                  <a:schemeClr val="tx1"/>
-                </a:solidFill>
-                <a:effectLst/>
-                <a:latin typeface="Franklin Gothic Book (Corpo)"/>
-              </a:rPr>
-              <a:t> (</a:t>
-            </a:r>
-            <a:r>
-              <a:rPr lang="it-IT" b="0" i="0" dirty="0" err="1">
-                <a:solidFill>
-                  <a:schemeClr val="tx1"/>
-                </a:solidFill>
-                <a:effectLst/>
-                <a:latin typeface="Franklin Gothic Book (Corpo)"/>
-              </a:rPr>
-              <a:t>nullable</a:t>
-            </a:r>
-            <a:r>
-              <a:rPr lang="it-IT" b="0" i="0" dirty="0">
-                <a:solidFill>
-                  <a:schemeClr val="tx1"/>
-                </a:solidFill>
-                <a:effectLst/>
-                <a:latin typeface="Franklin Gothic Book (Corpo)"/>
-              </a:rPr>
-              <a:t> = </a:t>
-            </a:r>
-            <a:r>
-              <a:rPr lang="it-IT" b="0" i="0" dirty="0" err="1">
-                <a:solidFill>
-                  <a:schemeClr val="tx1"/>
-                </a:solidFill>
-                <a:effectLst/>
-                <a:latin typeface="Franklin Gothic Book (Corpo)"/>
-              </a:rPr>
-              <a:t>true</a:t>
-            </a:r>
-            <a:r>
-              <a:rPr lang="it-IT" b="0" i="0" dirty="0">
-                <a:solidFill>
-                  <a:schemeClr val="tx1"/>
-                </a:solidFill>
-                <a:effectLst/>
-                <a:latin typeface="Franklin Gothic Book (Corpo)"/>
-              </a:rPr>
-              <a:t>) </a:t>
-            </a:r>
-          </a:p>
-          <a:p>
-            <a:r>
-              <a:rPr lang="it-IT" b="0" i="0" dirty="0" err="1">
-                <a:solidFill>
-                  <a:schemeClr val="tx1"/>
-                </a:solidFill>
-                <a:effectLst/>
-                <a:latin typeface="Franklin Gothic Book (Corpo)"/>
-              </a:rPr>
-              <a:t>posted</a:t>
-            </a:r>
-            <a:r>
-              <a:rPr lang="it-IT" b="0" i="0" dirty="0">
-                <a:solidFill>
-                  <a:schemeClr val="tx1"/>
-                </a:solidFill>
-                <a:effectLst/>
-                <a:latin typeface="Franklin Gothic Book (Corpo)"/>
-              </a:rPr>
-              <a:t>: </a:t>
-            </a:r>
-            <a:r>
-              <a:rPr lang="it-IT" b="0" i="0" dirty="0" err="1">
-                <a:solidFill>
-                  <a:schemeClr val="tx1"/>
-                </a:solidFill>
-                <a:effectLst/>
-                <a:latin typeface="Franklin Gothic Book (Corpo)"/>
-              </a:rPr>
-              <a:t>string</a:t>
-            </a:r>
-            <a:r>
-              <a:rPr lang="it-IT" b="0" i="0" dirty="0">
-                <a:solidFill>
-                  <a:schemeClr val="tx1"/>
-                </a:solidFill>
-                <a:effectLst/>
-                <a:latin typeface="Franklin Gothic Book (Corpo)"/>
-              </a:rPr>
-              <a:t> (</a:t>
-            </a:r>
-            <a:r>
-              <a:rPr lang="it-IT" b="0" i="0" dirty="0" err="1">
-                <a:solidFill>
-                  <a:schemeClr val="tx1"/>
-                </a:solidFill>
-                <a:effectLst/>
-                <a:latin typeface="Franklin Gothic Book (Corpo)"/>
-              </a:rPr>
-              <a:t>nullable</a:t>
-            </a:r>
-            <a:r>
-              <a:rPr lang="it-IT" b="0" i="0" dirty="0">
-                <a:solidFill>
-                  <a:schemeClr val="tx1"/>
-                </a:solidFill>
-                <a:effectLst/>
-                <a:latin typeface="Franklin Gothic Book (Corpo)"/>
-              </a:rPr>
-              <a:t> = </a:t>
-            </a:r>
-            <a:r>
-              <a:rPr lang="it-IT" b="0" i="0" dirty="0" err="1">
-                <a:solidFill>
-                  <a:schemeClr val="tx1"/>
-                </a:solidFill>
-                <a:effectLst/>
-                <a:latin typeface="Franklin Gothic Book (Corpo)"/>
-              </a:rPr>
-              <a:t>true</a:t>
-            </a:r>
-            <a:r>
-              <a:rPr lang="it-IT" b="0" i="0" dirty="0">
-                <a:solidFill>
-                  <a:schemeClr val="tx1"/>
-                </a:solidFill>
-                <a:effectLst/>
-                <a:latin typeface="Franklin Gothic Book (Corpo)"/>
-              </a:rPr>
-              <a:t>) </a:t>
-            </a:r>
-          </a:p>
-          <a:p>
-            <a:r>
-              <a:rPr lang="it-IT" b="0" i="0" dirty="0">
-                <a:solidFill>
-                  <a:schemeClr val="tx1"/>
-                </a:solidFill>
-                <a:effectLst/>
-                <a:latin typeface="Franklin Gothic Book (Corpo)"/>
-              </a:rPr>
-              <a:t>url: </a:t>
-            </a:r>
-            <a:r>
-              <a:rPr lang="it-IT" b="0" i="0" dirty="0" err="1">
-                <a:solidFill>
-                  <a:schemeClr val="tx1"/>
-                </a:solidFill>
-                <a:effectLst/>
-                <a:latin typeface="Franklin Gothic Book (Corpo)"/>
-              </a:rPr>
-              <a:t>string</a:t>
-            </a:r>
-            <a:r>
-              <a:rPr lang="it-IT" b="0" i="0" dirty="0">
-                <a:solidFill>
-                  <a:schemeClr val="tx1"/>
-                </a:solidFill>
-                <a:effectLst/>
-                <a:latin typeface="Franklin Gothic Book (Corpo)"/>
-              </a:rPr>
-              <a:t> (</a:t>
-            </a:r>
-            <a:r>
-              <a:rPr lang="it-IT" b="0" i="0" dirty="0" err="1">
-                <a:solidFill>
-                  <a:schemeClr val="tx1"/>
-                </a:solidFill>
-                <a:effectLst/>
-                <a:latin typeface="Franklin Gothic Book (Corpo)"/>
-              </a:rPr>
-              <a:t>nullable</a:t>
-            </a:r>
-            <a:r>
-              <a:rPr lang="it-IT" b="0" i="0" dirty="0">
-                <a:solidFill>
-                  <a:schemeClr val="tx1"/>
-                </a:solidFill>
-                <a:effectLst/>
-                <a:latin typeface="Franklin Gothic Book (Corpo)"/>
-              </a:rPr>
-              <a:t> = </a:t>
-            </a:r>
-            <a:r>
-              <a:rPr lang="it-IT" b="0" i="0" dirty="0" err="1">
-                <a:solidFill>
-                  <a:schemeClr val="tx1"/>
-                </a:solidFill>
-                <a:effectLst/>
-                <a:latin typeface="Franklin Gothic Book (Corpo)"/>
-              </a:rPr>
-              <a:t>true</a:t>
-            </a:r>
-            <a:r>
-              <a:rPr lang="it-IT" b="0" i="0" dirty="0">
-                <a:solidFill>
-                  <a:schemeClr val="tx1"/>
-                </a:solidFill>
-                <a:effectLst/>
-                <a:latin typeface="Franklin Gothic Book (Corpo)"/>
-              </a:rPr>
-              <a:t>) </a:t>
-            </a:r>
-          </a:p>
-          <a:p>
-            <a:r>
-              <a:rPr lang="it-IT" b="0" i="0" dirty="0">
-                <a:solidFill>
-                  <a:schemeClr val="tx1"/>
-                </a:solidFill>
-                <a:effectLst/>
-                <a:latin typeface="Franklin Gothic Book (Corpo)"/>
-              </a:rPr>
-              <a:t>tags: array (</a:t>
-            </a:r>
-            <a:r>
-              <a:rPr lang="it-IT" b="0" i="0" dirty="0" err="1">
-                <a:solidFill>
-                  <a:schemeClr val="tx1"/>
-                </a:solidFill>
-                <a:effectLst/>
-                <a:latin typeface="Franklin Gothic Book (Corpo)"/>
-              </a:rPr>
-              <a:t>nullable</a:t>
-            </a:r>
-            <a:r>
-              <a:rPr lang="it-IT" b="0" i="0" dirty="0">
-                <a:solidFill>
-                  <a:schemeClr val="tx1"/>
-                </a:solidFill>
-                <a:effectLst/>
-                <a:latin typeface="Franklin Gothic Book (Corpo)"/>
-              </a:rPr>
-              <a:t> = </a:t>
-            </a:r>
-            <a:r>
-              <a:rPr lang="it-IT" b="0" i="0" dirty="0" err="1">
-                <a:solidFill>
-                  <a:schemeClr val="tx1"/>
-                </a:solidFill>
-                <a:effectLst/>
-                <a:latin typeface="Franklin Gothic Book (Corpo)"/>
-              </a:rPr>
-              <a:t>true</a:t>
-            </a:r>
-            <a:r>
-              <a:rPr lang="it-IT" b="0" i="0" dirty="0">
-                <a:solidFill>
-                  <a:schemeClr val="tx1"/>
-                </a:solidFill>
-                <a:effectLst/>
-                <a:latin typeface="Franklin Gothic Book (Corpo)"/>
-              </a:rPr>
-              <a:t>)</a:t>
-            </a:r>
-          </a:p>
-          <a:p>
-            <a:pPr lvl="1"/>
-            <a:r>
-              <a:rPr lang="it-IT" sz="1700" b="0" i="0" dirty="0" err="1">
-                <a:solidFill>
-                  <a:schemeClr val="tx1"/>
-                </a:solidFill>
-                <a:effectLst/>
-                <a:latin typeface="Franklin Gothic Book (Corpo)"/>
-              </a:rPr>
-              <a:t>element</a:t>
-            </a:r>
-            <a:r>
-              <a:rPr lang="it-IT" sz="1700" b="0" i="0" dirty="0">
-                <a:solidFill>
-                  <a:schemeClr val="tx1"/>
-                </a:solidFill>
-                <a:effectLst/>
-                <a:latin typeface="Franklin Gothic Book (Corpo)"/>
-              </a:rPr>
-              <a:t>: </a:t>
-            </a:r>
-            <a:r>
-              <a:rPr lang="it-IT" sz="1700" b="0" i="0" dirty="0" err="1">
-                <a:solidFill>
-                  <a:schemeClr val="tx1"/>
-                </a:solidFill>
-                <a:effectLst/>
-                <a:latin typeface="Franklin Gothic Book (Corpo)"/>
-              </a:rPr>
-              <a:t>string</a:t>
-            </a:r>
-            <a:r>
-              <a:rPr lang="it-IT" sz="1700" b="0" i="0" dirty="0">
-                <a:solidFill>
-                  <a:schemeClr val="tx1"/>
-                </a:solidFill>
-                <a:effectLst/>
-                <a:latin typeface="Franklin Gothic Book (Corpo)"/>
-              </a:rPr>
-              <a:t> (</a:t>
-            </a:r>
-            <a:r>
-              <a:rPr lang="it-IT" sz="1700" b="0" i="0" dirty="0" err="1">
-                <a:solidFill>
-                  <a:schemeClr val="tx1"/>
-                </a:solidFill>
-                <a:effectLst/>
-                <a:latin typeface="Franklin Gothic Book (Corpo)"/>
-              </a:rPr>
-              <a:t>containsNull</a:t>
-            </a:r>
-            <a:r>
-              <a:rPr lang="it-IT" sz="1700" b="0" i="0" dirty="0">
-                <a:solidFill>
-                  <a:schemeClr val="tx1"/>
-                </a:solidFill>
-                <a:effectLst/>
-                <a:latin typeface="Franklin Gothic Book (Corpo)"/>
-              </a:rPr>
-              <a:t> = </a:t>
-            </a:r>
-            <a:r>
-              <a:rPr lang="it-IT" sz="1700" b="0" i="0" dirty="0" err="1">
-                <a:solidFill>
-                  <a:schemeClr val="tx1"/>
-                </a:solidFill>
-                <a:effectLst/>
-                <a:latin typeface="Franklin Gothic Book (Corpo)"/>
-              </a:rPr>
-              <a:t>true</a:t>
-            </a:r>
-            <a:r>
-              <a:rPr lang="it-IT" sz="1700" b="0" i="0" dirty="0">
-                <a:solidFill>
-                  <a:schemeClr val="tx1"/>
-                </a:solidFill>
-                <a:effectLst/>
-                <a:latin typeface="Franklin Gothic Book (Corpo)"/>
-              </a:rPr>
-              <a:t>) </a:t>
-            </a:r>
-          </a:p>
-        </p:txBody>
-      </p:sp>
-      <p:sp>
-        <p:nvSpPr>
-          <p:cNvPr id="3" name="CasellaDiTesto 2">
-            <a:extLst>
-              <a:ext uri="{FF2B5EF4-FFF2-40B4-BE49-F238E27FC236}">
-                <a16:creationId xmlns:a16="http://schemas.microsoft.com/office/drawing/2014/main" id="{3DD4B04B-EF53-4791-926A-A65F9BF38788}"/>
-              </a:ext>
-            </a:extLst>
-          </p:cNvPr>
-          <p:cNvSpPr txBox="1"/>
-          <p:nvPr/>
-        </p:nvSpPr>
-        <p:spPr>
-          <a:xfrm>
-            <a:off x="5847127" y="2088858"/>
-            <a:ext cx="5662568" cy="4539704"/>
-          </a:xfrm>
-          <a:prstGeom prst="rect">
-            <a:avLst/>
-          </a:prstGeom>
-          <a:noFill/>
-        </p:spPr>
-        <p:txBody>
-          <a:bodyPr wrap="square" rtlCol="0">
-            <a:spAutoFit/>
-          </a:bodyPr>
-          <a:lstStyle/>
-          <a:p>
-            <a:pPr marL="285750" indent="-285750">
-              <a:buFont typeface="Wingdings" panose="05000000000000000000" pitchFamily="2" charset="2"/>
-              <a:buChar char="§"/>
-            </a:pPr>
-            <a:r>
-              <a:rPr lang="it-IT" sz="1700" b="0" i="0" dirty="0" err="1">
-                <a:effectLst/>
-              </a:rPr>
-              <a:t>watch_next</a:t>
-            </a:r>
-            <a:r>
-              <a:rPr lang="it-IT" sz="1700" b="0" i="0" dirty="0">
-                <a:effectLst/>
-              </a:rPr>
-              <a:t>: array (</a:t>
-            </a:r>
-            <a:r>
-              <a:rPr lang="it-IT" sz="1700" b="0" i="0" dirty="0" err="1">
-                <a:effectLst/>
-              </a:rPr>
-              <a:t>nullable</a:t>
-            </a:r>
-            <a:r>
-              <a:rPr lang="it-IT" sz="1700" b="0" i="0" dirty="0">
-                <a:effectLst/>
-              </a:rPr>
-              <a:t> = </a:t>
-            </a:r>
-            <a:r>
-              <a:rPr lang="it-IT" sz="1700" b="0" i="0" dirty="0" err="1">
-                <a:effectLst/>
-              </a:rPr>
-              <a:t>true</a:t>
-            </a:r>
-            <a:r>
-              <a:rPr lang="it-IT" sz="1700" b="0" i="0" dirty="0">
-                <a:effectLst/>
-              </a:rPr>
-              <a:t>)</a:t>
-            </a:r>
-          </a:p>
-          <a:p>
-            <a:pPr marL="742950" lvl="1" indent="-285750">
-              <a:buFont typeface="Wingdings" panose="05000000000000000000" pitchFamily="2" charset="2"/>
-              <a:buChar char="§"/>
-            </a:pPr>
-            <a:r>
-              <a:rPr lang="it-IT" sz="1700" b="0" i="0" dirty="0" err="1">
-                <a:effectLst/>
-              </a:rPr>
-              <a:t>element</a:t>
-            </a:r>
-            <a:r>
-              <a:rPr lang="it-IT" sz="1700" b="0" i="0" dirty="0">
-                <a:effectLst/>
-              </a:rPr>
-              <a:t>: </a:t>
-            </a:r>
-            <a:r>
-              <a:rPr lang="it-IT" sz="1700" b="0" i="0" dirty="0" err="1">
-                <a:effectLst/>
-              </a:rPr>
-              <a:t>struct</a:t>
-            </a:r>
-            <a:r>
-              <a:rPr lang="it-IT" sz="1700" b="0" i="0" dirty="0">
-                <a:effectLst/>
-              </a:rPr>
-              <a:t> (</a:t>
-            </a:r>
-            <a:r>
-              <a:rPr lang="it-IT" sz="1700" b="0" i="0" dirty="0" err="1">
-                <a:effectLst/>
-              </a:rPr>
-              <a:t>containsNull</a:t>
-            </a:r>
-            <a:r>
-              <a:rPr lang="it-IT" sz="1700" b="0" i="0" dirty="0">
-                <a:effectLst/>
-              </a:rPr>
-              <a:t> = </a:t>
-            </a:r>
-            <a:r>
-              <a:rPr lang="it-IT" sz="1700" b="0" i="0" dirty="0" err="1">
-                <a:effectLst/>
-              </a:rPr>
-              <a:t>true</a:t>
-            </a:r>
-            <a:r>
-              <a:rPr lang="it-IT" sz="1700" b="0" i="0" dirty="0">
-                <a:effectLst/>
-              </a:rPr>
-              <a:t>)</a:t>
-            </a:r>
-          </a:p>
-          <a:p>
-            <a:pPr marL="1200150" lvl="2" indent="-285750">
-              <a:buFont typeface="Wingdings" panose="05000000000000000000" pitchFamily="2" charset="2"/>
-              <a:buChar char="§"/>
-            </a:pPr>
-            <a:r>
-              <a:rPr lang="it-IT" sz="1700" b="0" i="0" dirty="0">
-                <a:effectLst/>
-              </a:rPr>
-              <a:t>url: </a:t>
-            </a:r>
-            <a:r>
-              <a:rPr lang="it-IT" sz="1700" b="0" i="0" dirty="0" err="1">
-                <a:effectLst/>
-              </a:rPr>
-              <a:t>string</a:t>
-            </a:r>
-            <a:r>
-              <a:rPr lang="it-IT" sz="1700" b="0" i="0" dirty="0">
-                <a:effectLst/>
-              </a:rPr>
-              <a:t> (</a:t>
-            </a:r>
-            <a:r>
-              <a:rPr lang="it-IT" sz="1700" b="0" i="0" dirty="0" err="1">
-                <a:effectLst/>
-              </a:rPr>
-              <a:t>nullable</a:t>
-            </a:r>
-            <a:r>
-              <a:rPr lang="it-IT" sz="1700" b="0" i="0" dirty="0">
-                <a:effectLst/>
-              </a:rPr>
-              <a:t> = </a:t>
-            </a:r>
-            <a:r>
-              <a:rPr lang="it-IT" sz="1700" b="0" i="0" dirty="0" err="1">
-                <a:effectLst/>
-              </a:rPr>
-              <a:t>true</a:t>
-            </a:r>
-            <a:r>
-              <a:rPr lang="it-IT" sz="1700" b="0" i="0" dirty="0">
-                <a:effectLst/>
-              </a:rPr>
-              <a:t>)</a:t>
-            </a:r>
-            <a:endParaRPr lang="it-IT" sz="1700" dirty="0"/>
-          </a:p>
-          <a:p>
-            <a:pPr marL="1200150" lvl="2" indent="-285750">
-              <a:buFont typeface="Wingdings" panose="05000000000000000000" pitchFamily="2" charset="2"/>
-              <a:buChar char="§"/>
-            </a:pPr>
-            <a:r>
-              <a:rPr lang="en-US" sz="1700" b="0" i="0" dirty="0" err="1">
-                <a:effectLst/>
-              </a:rPr>
-              <a:t>watch_next_idx</a:t>
-            </a:r>
-            <a:r>
-              <a:rPr lang="en-US" sz="1700" b="0" i="0" dirty="0">
-                <a:effectLst/>
-              </a:rPr>
-              <a:t>: string (nullable = true)</a:t>
-            </a:r>
-          </a:p>
-          <a:p>
-            <a:pPr marL="1200150" lvl="2" indent="-285750">
-              <a:buFont typeface="Wingdings" panose="05000000000000000000" pitchFamily="2" charset="2"/>
-              <a:buChar char="§"/>
-            </a:pPr>
-            <a:r>
-              <a:rPr lang="en-US" sz="1700" b="0" i="0" dirty="0" err="1">
-                <a:effectLst/>
-              </a:rPr>
-              <a:t>main_speaker</a:t>
-            </a:r>
-            <a:r>
-              <a:rPr lang="en-US" sz="1700" b="0" i="0" dirty="0">
-                <a:effectLst/>
-              </a:rPr>
-              <a:t>: string (nullable = true)</a:t>
-            </a:r>
-            <a:endParaRPr lang="en-US" sz="1700" dirty="0"/>
-          </a:p>
-          <a:p>
-            <a:pPr marL="1200150" lvl="2" indent="-285750">
-              <a:buFont typeface="Wingdings" panose="05000000000000000000" pitchFamily="2" charset="2"/>
-              <a:buChar char="§"/>
-            </a:pPr>
-            <a:r>
-              <a:rPr lang="it-IT" sz="1700" b="0" i="0" dirty="0" err="1">
-                <a:effectLst/>
-              </a:rPr>
-              <a:t>title</a:t>
-            </a:r>
-            <a:r>
-              <a:rPr lang="it-IT" sz="1700" b="0" i="0" dirty="0">
-                <a:effectLst/>
-              </a:rPr>
-              <a:t>: </a:t>
-            </a:r>
-            <a:r>
-              <a:rPr lang="it-IT" sz="1700" b="0" i="0" dirty="0" err="1">
-                <a:effectLst/>
-              </a:rPr>
-              <a:t>string</a:t>
-            </a:r>
-            <a:r>
-              <a:rPr lang="it-IT" sz="1700" b="0" i="0" dirty="0">
-                <a:effectLst/>
-              </a:rPr>
-              <a:t> (</a:t>
-            </a:r>
-            <a:r>
-              <a:rPr lang="it-IT" sz="1700" b="0" i="0" dirty="0" err="1">
-                <a:effectLst/>
-              </a:rPr>
-              <a:t>nullable</a:t>
-            </a:r>
-            <a:r>
-              <a:rPr lang="it-IT" sz="1700" b="0" i="0" dirty="0">
-                <a:effectLst/>
-              </a:rPr>
-              <a:t> = </a:t>
-            </a:r>
-            <a:r>
-              <a:rPr lang="it-IT" sz="1700" b="0" i="0" dirty="0" err="1">
-                <a:effectLst/>
-              </a:rPr>
-              <a:t>true</a:t>
-            </a:r>
-            <a:r>
-              <a:rPr lang="it-IT" sz="1700" b="0" i="0" dirty="0">
-                <a:effectLst/>
-              </a:rPr>
-              <a:t>)</a:t>
-            </a:r>
-            <a:endParaRPr lang="en-US" sz="1700" b="0" i="0" dirty="0">
-              <a:effectLst/>
-            </a:endParaRPr>
-          </a:p>
-          <a:p>
-            <a:pPr marL="1200150" lvl="2" indent="-285750">
-              <a:buFont typeface="Wingdings" panose="05000000000000000000" pitchFamily="2" charset="2"/>
-              <a:buChar char="§"/>
-            </a:pPr>
-            <a:r>
-              <a:rPr lang="it-IT" sz="1700" b="0" i="0" dirty="0" err="1">
-                <a:effectLst/>
-              </a:rPr>
-              <a:t>details</a:t>
-            </a:r>
-            <a:r>
-              <a:rPr lang="it-IT" sz="1700" b="0" i="0" dirty="0">
-                <a:effectLst/>
-              </a:rPr>
-              <a:t>: </a:t>
-            </a:r>
-            <a:r>
-              <a:rPr lang="it-IT" sz="1700" b="0" i="0" dirty="0" err="1">
-                <a:effectLst/>
-              </a:rPr>
-              <a:t>string</a:t>
-            </a:r>
-            <a:r>
-              <a:rPr lang="it-IT" sz="1700" b="0" i="0" dirty="0">
-                <a:effectLst/>
-              </a:rPr>
-              <a:t> (</a:t>
-            </a:r>
-            <a:r>
-              <a:rPr lang="it-IT" sz="1700" b="0" i="0" dirty="0" err="1">
-                <a:effectLst/>
-              </a:rPr>
-              <a:t>nullable</a:t>
-            </a:r>
-            <a:r>
-              <a:rPr lang="it-IT" sz="1700" b="0" i="0" dirty="0">
-                <a:effectLst/>
-              </a:rPr>
-              <a:t> = </a:t>
-            </a:r>
-            <a:r>
-              <a:rPr lang="it-IT" sz="1700" b="0" i="0" dirty="0" err="1">
-                <a:effectLst/>
-              </a:rPr>
-              <a:t>true</a:t>
-            </a:r>
-            <a:r>
-              <a:rPr lang="it-IT" sz="1700" b="0" i="0" dirty="0">
-                <a:effectLst/>
-              </a:rPr>
-              <a:t>)</a:t>
-            </a:r>
-            <a:endParaRPr lang="en-US" sz="1700" dirty="0"/>
-          </a:p>
-          <a:p>
-            <a:pPr marL="1200150" lvl="2" indent="-285750">
-              <a:buFont typeface="Wingdings" panose="05000000000000000000" pitchFamily="2" charset="2"/>
-              <a:buChar char="§"/>
-            </a:pPr>
-            <a:r>
-              <a:rPr lang="it-IT" sz="1700" b="0" i="0" dirty="0" err="1">
-                <a:effectLst/>
-              </a:rPr>
-              <a:t>posted</a:t>
-            </a:r>
-            <a:r>
-              <a:rPr lang="it-IT" sz="1700" b="0" i="0" dirty="0">
-                <a:effectLst/>
-              </a:rPr>
-              <a:t>: </a:t>
-            </a:r>
-            <a:r>
-              <a:rPr lang="it-IT" sz="1700" b="0" i="0" dirty="0" err="1">
-                <a:effectLst/>
-              </a:rPr>
-              <a:t>string</a:t>
-            </a:r>
-            <a:r>
-              <a:rPr lang="it-IT" sz="1700" b="0" i="0" dirty="0">
-                <a:effectLst/>
-              </a:rPr>
-              <a:t> (</a:t>
-            </a:r>
-            <a:r>
-              <a:rPr lang="it-IT" sz="1700" b="0" i="0" dirty="0" err="1">
-                <a:effectLst/>
-              </a:rPr>
-              <a:t>nullable</a:t>
-            </a:r>
-            <a:r>
-              <a:rPr lang="it-IT" sz="1700" b="0" i="0" dirty="0">
-                <a:effectLst/>
-              </a:rPr>
-              <a:t> = </a:t>
-            </a:r>
-            <a:r>
-              <a:rPr lang="it-IT" sz="1700" b="0" i="0" dirty="0" err="1">
-                <a:effectLst/>
-              </a:rPr>
-              <a:t>true</a:t>
-            </a:r>
-            <a:r>
-              <a:rPr lang="it-IT" sz="1700" b="0" i="0" dirty="0">
-                <a:effectLst/>
-              </a:rPr>
-              <a:t>)</a:t>
-            </a:r>
-            <a:endParaRPr lang="en-US" sz="1700" b="0" i="0" dirty="0">
-              <a:effectLst/>
-            </a:endParaRPr>
-          </a:p>
-          <a:p>
-            <a:pPr marL="1200150" lvl="2" indent="-285750">
-              <a:buFont typeface="Wingdings" panose="05000000000000000000" pitchFamily="2" charset="2"/>
-              <a:buChar char="§"/>
-            </a:pPr>
-            <a:r>
-              <a:rPr lang="it-IT" sz="1700" b="0" i="0" dirty="0" err="1">
-                <a:effectLst/>
-              </a:rPr>
-              <a:t>n_views</a:t>
-            </a:r>
-            <a:r>
-              <a:rPr lang="it-IT" sz="1700" b="0" i="0" dirty="0">
-                <a:effectLst/>
-              </a:rPr>
-              <a:t>: double (</a:t>
-            </a:r>
-            <a:r>
-              <a:rPr lang="it-IT" sz="1700" b="0" i="0" dirty="0" err="1">
-                <a:effectLst/>
-              </a:rPr>
-              <a:t>nullable</a:t>
-            </a:r>
-            <a:r>
-              <a:rPr lang="it-IT" sz="1700" b="0" i="0" dirty="0">
-                <a:effectLst/>
-              </a:rPr>
-              <a:t> = </a:t>
-            </a:r>
-            <a:r>
-              <a:rPr lang="it-IT" sz="1700" b="0" i="0" dirty="0" err="1">
-                <a:effectLst/>
-              </a:rPr>
-              <a:t>true</a:t>
-            </a:r>
-            <a:r>
-              <a:rPr lang="it-IT" sz="1700" b="0" i="0" dirty="0">
-                <a:effectLst/>
-              </a:rPr>
-              <a:t>)</a:t>
-            </a:r>
-            <a:endParaRPr lang="en-US" sz="1700" dirty="0"/>
-          </a:p>
-          <a:p>
-            <a:pPr marL="1200150" lvl="2" indent="-285750">
-              <a:buFont typeface="Wingdings" panose="05000000000000000000" pitchFamily="2" charset="2"/>
-              <a:buChar char="§"/>
-            </a:pPr>
-            <a:r>
-              <a:rPr lang="fr-FR" sz="1700" b="0" i="0" dirty="0" err="1">
-                <a:effectLst/>
-              </a:rPr>
-              <a:t>durate_sec</a:t>
-            </a:r>
-            <a:r>
-              <a:rPr lang="fr-FR" sz="1700" b="0" i="0" dirty="0">
-                <a:effectLst/>
-              </a:rPr>
-              <a:t>: double (</a:t>
-            </a:r>
-            <a:r>
-              <a:rPr lang="fr-FR" sz="1700" b="0" i="0" dirty="0" err="1">
-                <a:effectLst/>
-              </a:rPr>
-              <a:t>nullable</a:t>
-            </a:r>
-            <a:r>
-              <a:rPr lang="fr-FR" sz="1700" b="0" i="0" dirty="0">
-                <a:effectLst/>
-              </a:rPr>
-              <a:t> = </a:t>
-            </a:r>
-            <a:r>
-              <a:rPr lang="fr-FR" sz="1700" b="0" i="0" dirty="0" err="1">
-                <a:effectLst/>
-              </a:rPr>
-              <a:t>true</a:t>
-            </a:r>
-            <a:r>
-              <a:rPr lang="fr-FR" sz="1700" b="0" i="0" dirty="0">
-                <a:effectLst/>
-              </a:rPr>
-              <a:t>)</a:t>
-            </a:r>
-            <a:endParaRPr lang="en-US" sz="1700" b="0" i="0" dirty="0">
-              <a:effectLst/>
-            </a:endParaRPr>
-          </a:p>
-          <a:p>
-            <a:pPr marL="1200150" lvl="2" indent="-285750">
-              <a:buFont typeface="Wingdings" panose="05000000000000000000" pitchFamily="2" charset="2"/>
-              <a:buChar char="§"/>
-            </a:pPr>
-            <a:r>
-              <a:rPr lang="it-IT" sz="1700" b="0" i="0" dirty="0">
-                <a:effectLst/>
-              </a:rPr>
-              <a:t>tags: array (</a:t>
-            </a:r>
-            <a:r>
-              <a:rPr lang="it-IT" sz="1700" b="0" i="0" dirty="0" err="1">
-                <a:effectLst/>
-              </a:rPr>
-              <a:t>nullable</a:t>
-            </a:r>
-            <a:r>
-              <a:rPr lang="it-IT" sz="1700" b="0" i="0" dirty="0">
-                <a:effectLst/>
-              </a:rPr>
-              <a:t> = </a:t>
-            </a:r>
-            <a:r>
-              <a:rPr lang="it-IT" sz="1700" b="0" i="0" dirty="0" err="1">
-                <a:effectLst/>
-              </a:rPr>
-              <a:t>true</a:t>
-            </a:r>
-            <a:r>
-              <a:rPr lang="it-IT" sz="1700" b="0" i="0" dirty="0">
-                <a:effectLst/>
-              </a:rPr>
-              <a:t>)</a:t>
-            </a:r>
-            <a:endParaRPr lang="en-US" sz="1700" dirty="0"/>
-          </a:p>
-          <a:p>
-            <a:pPr marL="1657350" lvl="3" indent="-285750">
-              <a:buFont typeface="Wingdings" panose="05000000000000000000" pitchFamily="2" charset="2"/>
-              <a:buChar char="§"/>
-            </a:pPr>
-            <a:r>
-              <a:rPr lang="it-IT" sz="1700" b="0" i="0" dirty="0" err="1">
-                <a:effectLst/>
-              </a:rPr>
-              <a:t>element</a:t>
-            </a:r>
-            <a:r>
-              <a:rPr lang="it-IT" sz="1700" b="0" i="0" dirty="0">
-                <a:effectLst/>
-              </a:rPr>
-              <a:t>: </a:t>
-            </a:r>
-            <a:r>
-              <a:rPr lang="it-IT" sz="1700" b="0" i="0" dirty="0" err="1">
-                <a:effectLst/>
-              </a:rPr>
-              <a:t>string</a:t>
-            </a:r>
-            <a:r>
-              <a:rPr lang="it-IT" sz="1700" b="0" i="0" dirty="0">
-                <a:effectLst/>
-              </a:rPr>
-              <a:t> (</a:t>
-            </a:r>
-            <a:r>
-              <a:rPr lang="it-IT" sz="1700" b="0" i="0" dirty="0" err="1">
-                <a:effectLst/>
-              </a:rPr>
-              <a:t>containsNull</a:t>
-            </a:r>
-            <a:r>
-              <a:rPr lang="it-IT" sz="1700" b="0" i="0" dirty="0">
-                <a:effectLst/>
-              </a:rPr>
-              <a:t> = </a:t>
-            </a:r>
-            <a:r>
-              <a:rPr lang="it-IT" sz="1700" b="0" i="0" dirty="0" err="1">
-                <a:effectLst/>
-              </a:rPr>
-              <a:t>true</a:t>
-            </a:r>
-            <a:r>
-              <a:rPr lang="it-IT" sz="1700" b="0" i="0" dirty="0">
-                <a:effectLst/>
-              </a:rPr>
-              <a:t>)</a:t>
-            </a:r>
-            <a:endParaRPr lang="en-US" sz="1700" b="0" i="0" dirty="0">
-              <a:effectLst/>
-            </a:endParaRPr>
-          </a:p>
-          <a:p>
-            <a:pPr marL="285750" indent="-285750">
-              <a:buFont typeface="Wingdings" panose="05000000000000000000" pitchFamily="2" charset="2"/>
-              <a:buChar char="§"/>
-            </a:pPr>
-            <a:r>
-              <a:rPr lang="it-IT" sz="1700" b="0" i="0" dirty="0" err="1">
-                <a:effectLst/>
-              </a:rPr>
-              <a:t>transcriptions</a:t>
-            </a:r>
-            <a:r>
-              <a:rPr lang="it-IT" sz="1700" b="0" i="0" dirty="0">
-                <a:effectLst/>
-              </a:rPr>
-              <a:t>: array (</a:t>
-            </a:r>
-            <a:r>
-              <a:rPr lang="it-IT" sz="1700" b="0" i="0" dirty="0" err="1">
-                <a:effectLst/>
-              </a:rPr>
-              <a:t>nullable</a:t>
-            </a:r>
-            <a:r>
-              <a:rPr lang="it-IT" sz="1700" b="0" i="0" dirty="0">
-                <a:effectLst/>
-              </a:rPr>
-              <a:t> = </a:t>
-            </a:r>
-            <a:r>
-              <a:rPr lang="it-IT" sz="1700" b="0" i="0" dirty="0" err="1">
-                <a:effectLst/>
-              </a:rPr>
-              <a:t>true</a:t>
-            </a:r>
-            <a:r>
-              <a:rPr lang="it-IT" sz="1700" b="0" i="0" dirty="0">
-                <a:effectLst/>
-              </a:rPr>
-              <a:t>)</a:t>
-            </a:r>
-            <a:endParaRPr lang="en-US" sz="1700" dirty="0"/>
-          </a:p>
-          <a:p>
-            <a:pPr marL="742950" lvl="1" indent="-285750">
-              <a:buFont typeface="Wingdings" panose="05000000000000000000" pitchFamily="2" charset="2"/>
-              <a:buChar char="§"/>
-            </a:pPr>
-            <a:r>
-              <a:rPr lang="it-IT" sz="1700" b="0" i="0" dirty="0" err="1">
-                <a:effectLst/>
-              </a:rPr>
-              <a:t>element</a:t>
-            </a:r>
-            <a:r>
-              <a:rPr lang="it-IT" sz="1700" b="0" i="0" dirty="0">
-                <a:effectLst/>
-              </a:rPr>
-              <a:t>: </a:t>
-            </a:r>
-            <a:r>
-              <a:rPr lang="it-IT" sz="1700" b="0" i="0" dirty="0" err="1">
-                <a:effectLst/>
-              </a:rPr>
-              <a:t>struct</a:t>
-            </a:r>
-            <a:r>
-              <a:rPr lang="it-IT" sz="1700" b="0" i="0" dirty="0">
-                <a:effectLst/>
-              </a:rPr>
-              <a:t> (</a:t>
-            </a:r>
-            <a:r>
-              <a:rPr lang="it-IT" sz="1700" b="0" i="0" dirty="0" err="1">
-                <a:effectLst/>
-              </a:rPr>
-              <a:t>containsNull</a:t>
-            </a:r>
-            <a:r>
-              <a:rPr lang="it-IT" sz="1700" b="0" i="0" dirty="0">
-                <a:effectLst/>
-              </a:rPr>
-              <a:t> = </a:t>
-            </a:r>
-            <a:r>
-              <a:rPr lang="it-IT" sz="1700" b="0" i="0" dirty="0" err="1">
-                <a:effectLst/>
-              </a:rPr>
-              <a:t>true</a:t>
-            </a:r>
-            <a:r>
-              <a:rPr lang="it-IT" sz="1700" b="0" i="0" dirty="0">
-                <a:effectLst/>
-              </a:rPr>
-              <a:t>)</a:t>
-            </a:r>
-            <a:endParaRPr lang="en-US" sz="1700" b="0" i="0" dirty="0">
-              <a:effectLst/>
-            </a:endParaRPr>
-          </a:p>
-          <a:p>
-            <a:pPr marL="1200150" lvl="2" indent="-285750">
-              <a:buFont typeface="Wingdings" panose="05000000000000000000" pitchFamily="2" charset="2"/>
-              <a:buChar char="§"/>
-            </a:pPr>
-            <a:r>
-              <a:rPr lang="it-IT" sz="1700" b="0" i="0" dirty="0" err="1">
-                <a:effectLst/>
-              </a:rPr>
-              <a:t>language</a:t>
-            </a:r>
-            <a:r>
-              <a:rPr lang="it-IT" sz="1700" b="0" i="0" dirty="0">
-                <a:effectLst/>
-              </a:rPr>
-              <a:t>: </a:t>
-            </a:r>
-            <a:r>
-              <a:rPr lang="it-IT" sz="1700" b="0" i="0" dirty="0" err="1">
-                <a:effectLst/>
-              </a:rPr>
-              <a:t>string</a:t>
-            </a:r>
-            <a:r>
-              <a:rPr lang="it-IT" sz="1700" b="0" i="0" dirty="0">
-                <a:effectLst/>
-              </a:rPr>
-              <a:t> (</a:t>
-            </a:r>
-            <a:r>
-              <a:rPr lang="it-IT" sz="1700" b="0" i="0" dirty="0" err="1">
-                <a:effectLst/>
-              </a:rPr>
-              <a:t>nullable</a:t>
-            </a:r>
-            <a:r>
-              <a:rPr lang="it-IT" sz="1700" b="0" i="0" dirty="0">
-                <a:effectLst/>
-              </a:rPr>
-              <a:t> = </a:t>
-            </a:r>
-            <a:r>
-              <a:rPr lang="it-IT" sz="1700" b="0" i="0" dirty="0" err="1">
-                <a:effectLst/>
-              </a:rPr>
-              <a:t>true</a:t>
-            </a:r>
-            <a:r>
-              <a:rPr lang="it-IT" sz="1700" b="0" i="0" dirty="0">
-                <a:effectLst/>
-              </a:rPr>
-              <a:t>)</a:t>
-            </a:r>
-            <a:endParaRPr lang="en-US" sz="1700" dirty="0"/>
-          </a:p>
-          <a:p>
-            <a:pPr marL="1200150" lvl="2" indent="-285750">
-              <a:buFont typeface="Wingdings" panose="05000000000000000000" pitchFamily="2" charset="2"/>
-              <a:buChar char="§"/>
-            </a:pPr>
-            <a:r>
-              <a:rPr lang="it-IT" sz="1700" b="0" i="0" dirty="0" err="1">
-                <a:effectLst/>
-              </a:rPr>
-              <a:t>abbreviation</a:t>
-            </a:r>
-            <a:r>
-              <a:rPr lang="it-IT" sz="1700" b="0" i="0" dirty="0">
-                <a:effectLst/>
-              </a:rPr>
-              <a:t>: </a:t>
-            </a:r>
-            <a:r>
-              <a:rPr lang="it-IT" sz="1700" b="0" i="0" dirty="0" err="1">
-                <a:effectLst/>
-              </a:rPr>
-              <a:t>string</a:t>
-            </a:r>
-            <a:r>
-              <a:rPr lang="it-IT" sz="1700" b="0" i="0" dirty="0">
-                <a:effectLst/>
-              </a:rPr>
-              <a:t> (</a:t>
-            </a:r>
-            <a:r>
-              <a:rPr lang="it-IT" sz="1700" b="0" i="0" dirty="0" err="1">
-                <a:effectLst/>
-              </a:rPr>
-              <a:t>nullable</a:t>
-            </a:r>
-            <a:r>
-              <a:rPr lang="it-IT" sz="1700" b="0" i="0" dirty="0">
-                <a:effectLst/>
-              </a:rPr>
-              <a:t> = </a:t>
-            </a:r>
-            <a:r>
-              <a:rPr lang="it-IT" sz="1700" b="0" i="0" dirty="0" err="1">
-                <a:effectLst/>
-              </a:rPr>
-              <a:t>true</a:t>
-            </a:r>
-            <a:r>
-              <a:rPr lang="it-IT" sz="1700" b="0" i="0" dirty="0">
-                <a:effectLst/>
-              </a:rPr>
-              <a:t>)</a:t>
-            </a:r>
-          </a:p>
-          <a:p>
-            <a:pPr marL="1200150" lvl="2" indent="-285750">
-              <a:buFont typeface="Wingdings" panose="05000000000000000000" pitchFamily="2" charset="2"/>
-              <a:buChar char="§"/>
-            </a:pPr>
-            <a:r>
-              <a:rPr lang="it-IT" sz="1700" b="0" i="0" dirty="0" err="1">
-                <a:effectLst/>
-              </a:rPr>
-              <a:t>phrase</a:t>
-            </a:r>
-            <a:r>
-              <a:rPr lang="it-IT" sz="1700" b="0" i="0" dirty="0">
-                <a:effectLst/>
-              </a:rPr>
-              <a:t>: </a:t>
-            </a:r>
-            <a:r>
-              <a:rPr lang="it-IT" sz="1700" b="0" i="0" dirty="0" err="1">
-                <a:effectLst/>
-              </a:rPr>
-              <a:t>string</a:t>
-            </a:r>
-            <a:r>
-              <a:rPr lang="it-IT" sz="1700" b="0" i="0" dirty="0">
-                <a:effectLst/>
-              </a:rPr>
-              <a:t> (</a:t>
-            </a:r>
-            <a:r>
-              <a:rPr lang="it-IT" sz="1700" b="0" i="0" dirty="0" err="1">
-                <a:effectLst/>
-              </a:rPr>
-              <a:t>nullable</a:t>
-            </a:r>
-            <a:r>
-              <a:rPr lang="it-IT" sz="1700" b="0" i="0" dirty="0">
-                <a:effectLst/>
-              </a:rPr>
-              <a:t> = </a:t>
-            </a:r>
-            <a:r>
-              <a:rPr lang="it-IT" sz="1700" b="0" i="0" dirty="0" err="1">
-                <a:effectLst/>
-              </a:rPr>
-              <a:t>true</a:t>
-            </a:r>
-            <a:r>
-              <a:rPr lang="it-IT" sz="1700" b="0" i="0" dirty="0">
-                <a:effectLst/>
-              </a:rPr>
-              <a:t>)</a:t>
-            </a:r>
-            <a:endParaRPr lang="it-IT" sz="1700" dirty="0"/>
           </a:p>
         </p:txBody>
       </p:sp>
@@ -6564,10 +4984,104 @@
           </a:p>
         </p:txBody>
       </p:sp>
+      <p:pic>
+        <p:nvPicPr>
+          <p:cNvPr id="1026" name="Picture 2">
+            <a:extLst>
+              <a:ext uri="{FF2B5EF4-FFF2-40B4-BE49-F238E27FC236}">
+                <a16:creationId xmlns:a16="http://schemas.microsoft.com/office/drawing/2014/main" id="{71EFA6DD-D6C4-4602-A4DD-89B3A30B670F}"/>
+              </a:ext>
+            </a:extLst>
+          </p:cNvPr>
+          <p:cNvPicPr>
+            <a:picLocks noChangeAspect="1" noChangeArrowheads="1"/>
+          </p:cNvPicPr>
+          <p:nvPr/>
+        </p:nvPicPr>
+        <p:blipFill>
+          <a:blip r:embed="rId2">
+            <a:extLst>
+              <a:ext uri="{28A0092B-C50C-407E-A947-70E740481C1C}">
+                <a14:useLocalDpi xmlns:a14="http://schemas.microsoft.com/office/drawing/2010/main" val="0"/>
+              </a:ext>
+            </a:extLst>
+          </a:blip>
+          <a:srcRect/>
+          <a:stretch>
+            <a:fillRect/>
+          </a:stretch>
+        </p:blipFill>
+        <p:spPr bwMode="auto">
+          <a:xfrm>
+            <a:off x="4917551" y="907430"/>
+            <a:ext cx="6417614" cy="5696489"/>
+          </a:xfrm>
+          <a:prstGeom prst="rect">
+            <a:avLst/>
+          </a:prstGeom>
+          <a:noFill/>
+          <a:extLst>
+            <a:ext uri="{909E8E84-426E-40DD-AFC4-6F175D3DCCD1}">
+              <a14:hiddenFill xmlns:a14="http://schemas.microsoft.com/office/drawing/2010/main">
+                <a:solidFill>
+                  <a:srgbClr val="FFFFFF"/>
+                </a:solidFill>
+              </a14:hiddenFill>
+            </a:ext>
+          </a:extLst>
+        </p:spPr>
+      </p:pic>
+      <p:pic>
+        <p:nvPicPr>
+          <p:cNvPr id="1030" name="Picture 6">
+            <a:extLst>
+              <a:ext uri="{FF2B5EF4-FFF2-40B4-BE49-F238E27FC236}">
+                <a16:creationId xmlns:a16="http://schemas.microsoft.com/office/drawing/2014/main" id="{64585CA8-7FB7-4A0F-8FE2-CDCEE76B124C}"/>
+              </a:ext>
+            </a:extLst>
+          </p:cNvPr>
+          <p:cNvPicPr>
+            <a:picLocks noChangeAspect="1" noChangeArrowheads="1"/>
+          </p:cNvPicPr>
+          <p:nvPr/>
+        </p:nvPicPr>
+        <p:blipFill>
+          <a:blip r:embed="rId3">
+            <a:extLst>
+              <a:ext uri="{28A0092B-C50C-407E-A947-70E740481C1C}">
+                <a14:useLocalDpi xmlns:a14="http://schemas.microsoft.com/office/drawing/2010/main" val="0"/>
+              </a:ext>
+            </a:extLst>
+          </a:blip>
+          <a:srcRect/>
+          <a:stretch>
+            <a:fillRect/>
+          </a:stretch>
+        </p:blipFill>
+        <p:spPr bwMode="auto">
+          <a:xfrm>
+            <a:off x="763528" y="1993157"/>
+            <a:ext cx="2670136" cy="3999664"/>
+          </a:xfrm>
+          <a:prstGeom prst="rect">
+            <a:avLst/>
+          </a:prstGeom>
+          <a:noFill/>
+          <a:extLst>
+            <a:ext uri="{909E8E84-426E-40DD-AFC4-6F175D3DCCD1}">
+              <a14:hiddenFill xmlns:a14="http://schemas.microsoft.com/office/drawing/2010/main">
+                <a:solidFill>
+                  <a:srgbClr val="FFFFFF"/>
+                </a:solidFill>
+              </a14:hiddenFill>
+            </a:ext>
+          </a:extLst>
+        </p:spPr>
+      </p:pic>
     </p:spTree>
     <p:extLst>
       <p:ext uri="{BB962C8B-B14F-4D97-AF65-F5344CB8AC3E}">
-        <p14:creationId xmlns:p14="http://schemas.microsoft.com/office/powerpoint/2010/main" val="2315367121"/>
+        <p14:creationId xmlns:p14="http://schemas.microsoft.com/office/powerpoint/2010/main" val="2652513756"/>
       </p:ext>
     </p:extLst>
   </p:cSld>
@@ -6826,6 +5340,100 @@
           </a:p>
         </p:txBody>
       </p:sp>
+      <p:pic>
+        <p:nvPicPr>
+          <p:cNvPr id="2054" name="Picture 6" descr="GitHub - Informatica e telecomunicazioni IISS Fermi Aragona">
+            <a:extLst>
+              <a:ext uri="{FF2B5EF4-FFF2-40B4-BE49-F238E27FC236}">
+                <a16:creationId xmlns:a16="http://schemas.microsoft.com/office/drawing/2014/main" id="{81C16E0E-2757-4505-B1EA-9E6558525362}"/>
+              </a:ext>
+            </a:extLst>
+          </p:cNvPr>
+          <p:cNvPicPr>
+            <a:picLocks noChangeAspect="1" noChangeArrowheads="1"/>
+          </p:cNvPicPr>
+          <p:nvPr/>
+        </p:nvPicPr>
+        <p:blipFill>
+          <a:blip r:embed="rId4">
+            <a:extLst>
+              <a:ext uri="{28A0092B-C50C-407E-A947-70E740481C1C}">
+                <a14:useLocalDpi xmlns:a14="http://schemas.microsoft.com/office/drawing/2010/main" val="0"/>
+              </a:ext>
+            </a:extLst>
+          </a:blip>
+          <a:srcRect/>
+          <a:stretch>
+            <a:fillRect/>
+          </a:stretch>
+        </p:blipFill>
+        <p:spPr bwMode="auto">
+          <a:xfrm>
+            <a:off x="10111194" y="5019289"/>
+            <a:ext cx="2080806" cy="1148929"/>
+          </a:xfrm>
+          <a:prstGeom prst="rect">
+            <a:avLst/>
+          </a:prstGeom>
+          <a:noFill/>
+          <a:extLst>
+            <a:ext uri="{909E8E84-426E-40DD-AFC4-6F175D3DCCD1}">
+              <a14:hiddenFill xmlns:a14="http://schemas.microsoft.com/office/drawing/2010/main">
+                <a:solidFill>
+                  <a:srgbClr val="FFFFFF"/>
+                </a:solidFill>
+              </a14:hiddenFill>
+            </a:ext>
+          </a:extLst>
+        </p:spPr>
+      </p:pic>
+      <p:pic>
+        <p:nvPicPr>
+          <p:cNvPr id="2056" name="Picture 8">
+            <a:extLst>
+              <a:ext uri="{FF2B5EF4-FFF2-40B4-BE49-F238E27FC236}">
+                <a16:creationId xmlns:a16="http://schemas.microsoft.com/office/drawing/2014/main" id="{F572718D-5044-4073-AA22-F1B90CA8157B}"/>
+              </a:ext>
+            </a:extLst>
+          </p:cNvPr>
+          <p:cNvPicPr>
+            <a:picLocks noChangeAspect="1" noChangeArrowheads="1"/>
+          </p:cNvPicPr>
+          <p:nvPr/>
+        </p:nvPicPr>
+        <p:blipFill>
+          <a:blip r:embed="rId5">
+            <a:extLst>
+              <a:ext uri="{28A0092B-C50C-407E-A947-70E740481C1C}">
+                <a14:useLocalDpi xmlns:a14="http://schemas.microsoft.com/office/drawing/2010/main" val="0"/>
+              </a:ext>
+            </a:extLst>
+          </a:blip>
+          <a:srcRect/>
+          <a:stretch>
+            <a:fillRect/>
+          </a:stretch>
+        </p:blipFill>
+        <p:spPr bwMode="auto">
+          <a:xfrm>
+            <a:off x="7815766" y="5357934"/>
+            <a:ext cx="2295428" cy="471638"/>
+          </a:xfrm>
+          <a:prstGeom prst="rect">
+            <a:avLst/>
+          </a:prstGeom>
+          <a:noFill/>
+          <a:extLst>
+            <a:ext uri="{909E8E84-426E-40DD-AFC4-6F175D3DCCD1}">
+              <a14:hiddenFill xmlns:a14="http://schemas.microsoft.com/office/drawing/2010/main">
+                <a:solidFill>
+                  <a:srgbClr val="FFFFFF"/>
+                </a:solidFill>
+              </a14:hiddenFill>
+            </a:ext>
+          </a:extLst>
+        </p:spPr>
+      </p:pic>
     </p:spTree>
     <p:extLst>
       <p:ext uri="{BB962C8B-B14F-4D97-AF65-F5344CB8AC3E}">
